--- a/MYSQL PPT/22. BookMarkLookUp.pptx
+++ b/MYSQL PPT/22. BookMarkLookUp.pptx
@@ -12,9 +12,6 @@
     <p:sldId id="267" r:id="rId6"/>
     <p:sldId id="268" r:id="rId7"/>
     <p:sldId id="269" r:id="rId8"/>
-    <p:sldId id="270" r:id="rId9"/>
-    <p:sldId id="271" r:id="rId10"/>
-    <p:sldId id="272" r:id="rId11"/>
   </p:sldIdLst>
   <p:sldSz cx="12192000" cy="6858000"/>
   <p:notesSz cx="6858000" cy="9144000"/>
@@ -268,7 +265,7 @@
           <a:p>
             <a:fld id="{62D5EA94-9BE6-4E76-BDC6-A92BD1999B7B}" type="datetimeFigureOut">
               <a:rPr lang="ko-KR" altLang="en-US" smtClean="0"/>
-              <a:t>2025-04-28</a:t>
+              <a:t>2025-04-29</a:t>
             </a:fld>
             <a:endParaRPr lang="ko-KR" altLang="en-US"/>
           </a:p>
@@ -466,7 +463,7 @@
           <a:p>
             <a:fld id="{62D5EA94-9BE6-4E76-BDC6-A92BD1999B7B}" type="datetimeFigureOut">
               <a:rPr lang="ko-KR" altLang="en-US" smtClean="0"/>
-              <a:t>2025-04-28</a:t>
+              <a:t>2025-04-29</a:t>
             </a:fld>
             <a:endParaRPr lang="ko-KR" altLang="en-US"/>
           </a:p>
@@ -674,7 +671,7 @@
           <a:p>
             <a:fld id="{62D5EA94-9BE6-4E76-BDC6-A92BD1999B7B}" type="datetimeFigureOut">
               <a:rPr lang="ko-KR" altLang="en-US" smtClean="0"/>
-              <a:t>2025-04-28</a:t>
+              <a:t>2025-04-29</a:t>
             </a:fld>
             <a:endParaRPr lang="ko-KR" altLang="en-US"/>
           </a:p>
@@ -872,7 +869,7 @@
           <a:p>
             <a:fld id="{62D5EA94-9BE6-4E76-BDC6-A92BD1999B7B}" type="datetimeFigureOut">
               <a:rPr lang="ko-KR" altLang="en-US" smtClean="0"/>
-              <a:t>2025-04-28</a:t>
+              <a:t>2025-04-29</a:t>
             </a:fld>
             <a:endParaRPr lang="ko-KR" altLang="en-US"/>
           </a:p>
@@ -1147,7 +1144,7 @@
           <a:p>
             <a:fld id="{62D5EA94-9BE6-4E76-BDC6-A92BD1999B7B}" type="datetimeFigureOut">
               <a:rPr lang="ko-KR" altLang="en-US" smtClean="0"/>
-              <a:t>2025-04-28</a:t>
+              <a:t>2025-04-29</a:t>
             </a:fld>
             <a:endParaRPr lang="ko-KR" altLang="en-US"/>
           </a:p>
@@ -1412,7 +1409,7 @@
           <a:p>
             <a:fld id="{62D5EA94-9BE6-4E76-BDC6-A92BD1999B7B}" type="datetimeFigureOut">
               <a:rPr lang="ko-KR" altLang="en-US" smtClean="0"/>
-              <a:t>2025-04-28</a:t>
+              <a:t>2025-04-29</a:t>
             </a:fld>
             <a:endParaRPr lang="ko-KR" altLang="en-US"/>
           </a:p>
@@ -1824,7 +1821,7 @@
           <a:p>
             <a:fld id="{62D5EA94-9BE6-4E76-BDC6-A92BD1999B7B}" type="datetimeFigureOut">
               <a:rPr lang="ko-KR" altLang="en-US" smtClean="0"/>
-              <a:t>2025-04-28</a:t>
+              <a:t>2025-04-29</a:t>
             </a:fld>
             <a:endParaRPr lang="ko-KR" altLang="en-US"/>
           </a:p>
@@ -1965,7 +1962,7 @@
           <a:p>
             <a:fld id="{62D5EA94-9BE6-4E76-BDC6-A92BD1999B7B}" type="datetimeFigureOut">
               <a:rPr lang="ko-KR" altLang="en-US" smtClean="0"/>
-              <a:t>2025-04-28</a:t>
+              <a:t>2025-04-29</a:t>
             </a:fld>
             <a:endParaRPr lang="ko-KR" altLang="en-US"/>
           </a:p>
@@ -2078,7 +2075,7 @@
           <a:p>
             <a:fld id="{62D5EA94-9BE6-4E76-BDC6-A92BD1999B7B}" type="datetimeFigureOut">
               <a:rPr lang="ko-KR" altLang="en-US" smtClean="0"/>
-              <a:t>2025-04-28</a:t>
+              <a:t>2025-04-29</a:t>
             </a:fld>
             <a:endParaRPr lang="ko-KR" altLang="en-US"/>
           </a:p>
@@ -2389,7 +2386,7 @@
           <a:p>
             <a:fld id="{62D5EA94-9BE6-4E76-BDC6-A92BD1999B7B}" type="datetimeFigureOut">
               <a:rPr lang="ko-KR" altLang="en-US" smtClean="0"/>
-              <a:t>2025-04-28</a:t>
+              <a:t>2025-04-29</a:t>
             </a:fld>
             <a:endParaRPr lang="ko-KR" altLang="en-US"/>
           </a:p>
@@ -2677,7 +2674,7 @@
           <a:p>
             <a:fld id="{62D5EA94-9BE6-4E76-BDC6-A92BD1999B7B}" type="datetimeFigureOut">
               <a:rPr lang="ko-KR" altLang="en-US" smtClean="0"/>
-              <a:t>2025-04-28</a:t>
+              <a:t>2025-04-29</a:t>
             </a:fld>
             <a:endParaRPr lang="ko-KR" altLang="en-US"/>
           </a:p>
@@ -2918,7 +2915,7 @@
           <a:p>
             <a:fld id="{62D5EA94-9BE6-4E76-BDC6-A92BD1999B7B}" type="datetimeFigureOut">
               <a:rPr lang="ko-KR" altLang="en-US" smtClean="0"/>
-              <a:t>2025-04-28</a:t>
+              <a:t>2025-04-29</a:t>
             </a:fld>
             <a:endParaRPr lang="ko-KR" altLang="en-US"/>
           </a:p>
@@ -3341,46 +3338,40 @@
           <a:chExt cx="0" cy="0"/>
         </a:xfrm>
       </p:grpSpPr>
+      <p:pic>
+        <p:nvPicPr>
+          <p:cNvPr id="3" name="그림 2">
+            <a:extLst>
+              <a:ext uri="{FF2B5EF4-FFF2-40B4-BE49-F238E27FC236}">
+                <a16:creationId xmlns:a16="http://schemas.microsoft.com/office/drawing/2014/main" id="{E0488D74-2ED5-E173-E085-39279DD7DB6D}"/>
+              </a:ext>
+            </a:extLst>
+          </p:cNvPr>
+          <p:cNvPicPr>
+            <a:picLocks noChangeAspect="1"/>
+          </p:cNvPicPr>
+          <p:nvPr/>
+        </p:nvPicPr>
+        <p:blipFill>
+          <a:blip r:embed="rId2"/>
+          <a:stretch>
+            <a:fillRect/>
+          </a:stretch>
+        </p:blipFill>
+        <p:spPr>
+          <a:xfrm>
+            <a:off x="2909443" y="1204602"/>
+            <a:ext cx="6373114" cy="4448796"/>
+          </a:xfrm>
+          <a:prstGeom prst="rect">
+            <a:avLst/>
+          </a:prstGeom>
+        </p:spPr>
+      </p:pic>
     </p:spTree>
     <p:extLst>
       <p:ext uri="{BB962C8B-B14F-4D97-AF65-F5344CB8AC3E}">
         <p14:creationId xmlns:p14="http://schemas.microsoft.com/office/powerpoint/2010/main" val="2097808463"/>
-      </p:ext>
-    </p:extLst>
-  </p:cSld>
-  <p:clrMapOvr>
-    <a:masterClrMapping/>
-  </p:clrMapOvr>
-</p:sld>
-</file>
-
-<file path=ppt/slides/slide10.xml><?xml version="1.0" encoding="utf-8"?>
-<p:sld xmlns:a="http://schemas.openxmlformats.org/drawingml/2006/main" xmlns:r="http://schemas.openxmlformats.org/officeDocument/2006/relationships" xmlns:p="http://schemas.openxmlformats.org/presentationml/2006/main">
-  <p:cSld>
-    <p:spTree>
-      <p:nvGrpSpPr>
-        <p:cNvPr id="1" name="">
-          <a:extLst>
-            <a:ext uri="{FF2B5EF4-FFF2-40B4-BE49-F238E27FC236}">
-              <a16:creationId xmlns:a16="http://schemas.microsoft.com/office/drawing/2014/main" id="{8EAB2436-D92D-95A0-A30E-89094792D935}"/>
-            </a:ext>
-          </a:extLst>
-        </p:cNvPr>
-        <p:cNvGrpSpPr/>
-        <p:nvPr/>
-      </p:nvGrpSpPr>
-      <p:grpSpPr>
-        <a:xfrm>
-          <a:off x="0" y="0"/>
-          <a:ext cx="0" cy="0"/>
-          <a:chOff x="0" y="0"/>
-          <a:chExt cx="0" cy="0"/>
-        </a:xfrm>
-      </p:grpSpPr>
-    </p:spTree>
-    <p:extLst>
-      <p:ext uri="{BB962C8B-B14F-4D97-AF65-F5344CB8AC3E}">
-        <p14:creationId xmlns:p14="http://schemas.microsoft.com/office/powerpoint/2010/main" val="986821805"/>
       </p:ext>
     </p:extLst>
   </p:cSld>
@@ -3413,6 +3404,36 @@
           <a:chExt cx="0" cy="0"/>
         </a:xfrm>
       </p:grpSpPr>
+      <p:pic>
+        <p:nvPicPr>
+          <p:cNvPr id="3" name="그림 2">
+            <a:extLst>
+              <a:ext uri="{FF2B5EF4-FFF2-40B4-BE49-F238E27FC236}">
+                <a16:creationId xmlns:a16="http://schemas.microsoft.com/office/drawing/2014/main" id="{9DC32874-F444-8950-F4A5-D22BB9E5AD06}"/>
+              </a:ext>
+            </a:extLst>
+          </p:cNvPr>
+          <p:cNvPicPr>
+            <a:picLocks noChangeAspect="1"/>
+          </p:cNvPicPr>
+          <p:nvPr/>
+        </p:nvPicPr>
+        <p:blipFill>
+          <a:blip r:embed="rId2"/>
+          <a:stretch>
+            <a:fillRect/>
+          </a:stretch>
+        </p:blipFill>
+        <p:spPr>
+          <a:xfrm>
+            <a:off x="2585547" y="1914313"/>
+            <a:ext cx="7020905" cy="3029373"/>
+          </a:xfrm>
+          <a:prstGeom prst="rect">
+            <a:avLst/>
+          </a:prstGeom>
+        </p:spPr>
+      </p:pic>
     </p:spTree>
     <p:extLst>
       <p:ext uri="{BB962C8B-B14F-4D97-AF65-F5344CB8AC3E}">
@@ -3449,6 +3470,36 @@
           <a:chExt cx="0" cy="0"/>
         </a:xfrm>
       </p:grpSpPr>
+      <p:pic>
+        <p:nvPicPr>
+          <p:cNvPr id="3" name="그림 2">
+            <a:extLst>
+              <a:ext uri="{FF2B5EF4-FFF2-40B4-BE49-F238E27FC236}">
+                <a16:creationId xmlns:a16="http://schemas.microsoft.com/office/drawing/2014/main" id="{D5C6D331-69F3-FF08-3DA1-343043CC7BD4}"/>
+              </a:ext>
+            </a:extLst>
+          </p:cNvPr>
+          <p:cNvPicPr>
+            <a:picLocks noChangeAspect="1"/>
+          </p:cNvPicPr>
+          <p:nvPr/>
+        </p:nvPicPr>
+        <p:blipFill>
+          <a:blip r:embed="rId2"/>
+          <a:stretch>
+            <a:fillRect/>
+          </a:stretch>
+        </p:blipFill>
+        <p:spPr>
+          <a:xfrm>
+            <a:off x="2523626" y="185285"/>
+            <a:ext cx="7144747" cy="6487430"/>
+          </a:xfrm>
+          <a:prstGeom prst="rect">
+            <a:avLst/>
+          </a:prstGeom>
+        </p:spPr>
+      </p:pic>
     </p:spTree>
     <p:extLst>
       <p:ext uri="{BB962C8B-B14F-4D97-AF65-F5344CB8AC3E}">
@@ -3485,6 +3536,36 @@
           <a:chExt cx="0" cy="0"/>
         </a:xfrm>
       </p:grpSpPr>
+      <p:pic>
+        <p:nvPicPr>
+          <p:cNvPr id="3" name="그림 2">
+            <a:extLst>
+              <a:ext uri="{FF2B5EF4-FFF2-40B4-BE49-F238E27FC236}">
+                <a16:creationId xmlns:a16="http://schemas.microsoft.com/office/drawing/2014/main" id="{EAA67C44-566B-DD43-A4E4-145B54B705D6}"/>
+              </a:ext>
+            </a:extLst>
+          </p:cNvPr>
+          <p:cNvPicPr>
+            <a:picLocks noChangeAspect="1"/>
+          </p:cNvPicPr>
+          <p:nvPr/>
+        </p:nvPicPr>
+        <p:blipFill>
+          <a:blip r:embed="rId2"/>
+          <a:stretch>
+            <a:fillRect/>
+          </a:stretch>
+        </p:blipFill>
+        <p:spPr>
+          <a:xfrm>
+            <a:off x="2637942" y="1642813"/>
+            <a:ext cx="6916115" cy="3572374"/>
+          </a:xfrm>
+          <a:prstGeom prst="rect">
+            <a:avLst/>
+          </a:prstGeom>
+        </p:spPr>
+      </p:pic>
     </p:spTree>
     <p:extLst>
       <p:ext uri="{BB962C8B-B14F-4D97-AF65-F5344CB8AC3E}">
@@ -3521,6 +3602,36 @@
           <a:chExt cx="0" cy="0"/>
         </a:xfrm>
       </p:grpSpPr>
+      <p:pic>
+        <p:nvPicPr>
+          <p:cNvPr id="3" name="그림 2">
+            <a:extLst>
+              <a:ext uri="{FF2B5EF4-FFF2-40B4-BE49-F238E27FC236}">
+                <a16:creationId xmlns:a16="http://schemas.microsoft.com/office/drawing/2014/main" id="{6940E6D0-717A-96F8-54C9-975E4D55E378}"/>
+              </a:ext>
+            </a:extLst>
+          </p:cNvPr>
+          <p:cNvPicPr>
+            <a:picLocks noChangeAspect="1"/>
+          </p:cNvPicPr>
+          <p:nvPr/>
+        </p:nvPicPr>
+        <p:blipFill>
+          <a:blip r:embed="rId2"/>
+          <a:stretch>
+            <a:fillRect/>
+          </a:stretch>
+        </p:blipFill>
+        <p:spPr>
+          <a:xfrm>
+            <a:off x="2542679" y="494890"/>
+            <a:ext cx="7106642" cy="5868219"/>
+          </a:xfrm>
+          <a:prstGeom prst="rect">
+            <a:avLst/>
+          </a:prstGeom>
+        </p:spPr>
+      </p:pic>
     </p:spTree>
     <p:extLst>
       <p:ext uri="{BB962C8B-B14F-4D97-AF65-F5344CB8AC3E}">
@@ -3557,6 +3668,36 @@
           <a:chExt cx="0" cy="0"/>
         </a:xfrm>
       </p:grpSpPr>
+      <p:pic>
+        <p:nvPicPr>
+          <p:cNvPr id="3" name="그림 2">
+            <a:extLst>
+              <a:ext uri="{FF2B5EF4-FFF2-40B4-BE49-F238E27FC236}">
+                <a16:creationId xmlns:a16="http://schemas.microsoft.com/office/drawing/2014/main" id="{2049E196-BA62-78CF-EC20-44EE89505A9C}"/>
+              </a:ext>
+            </a:extLst>
+          </p:cNvPr>
+          <p:cNvPicPr>
+            <a:picLocks noChangeAspect="1"/>
+          </p:cNvPicPr>
+          <p:nvPr/>
+        </p:nvPicPr>
+        <p:blipFill>
+          <a:blip r:embed="rId2"/>
+          <a:stretch>
+            <a:fillRect/>
+          </a:stretch>
+        </p:blipFill>
+        <p:spPr>
+          <a:xfrm>
+            <a:off x="2642705" y="232916"/>
+            <a:ext cx="6906589" cy="6392167"/>
+          </a:xfrm>
+          <a:prstGeom prst="rect">
+            <a:avLst/>
+          </a:prstGeom>
+        </p:spPr>
+      </p:pic>
     </p:spTree>
     <p:extLst>
       <p:ext uri="{BB962C8B-B14F-4D97-AF65-F5344CB8AC3E}">
@@ -3593,82 +3734,40 @@
           <a:chExt cx="0" cy="0"/>
         </a:xfrm>
       </p:grpSpPr>
+      <p:pic>
+        <p:nvPicPr>
+          <p:cNvPr id="3" name="그림 2">
+            <a:extLst>
+              <a:ext uri="{FF2B5EF4-FFF2-40B4-BE49-F238E27FC236}">
+                <a16:creationId xmlns:a16="http://schemas.microsoft.com/office/drawing/2014/main" id="{4C5F1692-E2D5-4F8B-0BA5-C70B01BE1E64}"/>
+              </a:ext>
+            </a:extLst>
+          </p:cNvPr>
+          <p:cNvPicPr>
+            <a:picLocks noChangeAspect="1"/>
+          </p:cNvPicPr>
+          <p:nvPr/>
+        </p:nvPicPr>
+        <p:blipFill>
+          <a:blip r:embed="rId2"/>
+          <a:stretch>
+            <a:fillRect/>
+          </a:stretch>
+        </p:blipFill>
+        <p:spPr>
+          <a:xfrm>
+            <a:off x="3094114" y="0"/>
+            <a:ext cx="6003772" cy="6858000"/>
+          </a:xfrm>
+          <a:prstGeom prst="rect">
+            <a:avLst/>
+          </a:prstGeom>
+        </p:spPr>
+      </p:pic>
     </p:spTree>
     <p:extLst>
       <p:ext uri="{BB962C8B-B14F-4D97-AF65-F5344CB8AC3E}">
         <p14:creationId xmlns:p14="http://schemas.microsoft.com/office/powerpoint/2010/main" val="4045017533"/>
-      </p:ext>
-    </p:extLst>
-  </p:cSld>
-  <p:clrMapOvr>
-    <a:masterClrMapping/>
-  </p:clrMapOvr>
-</p:sld>
-</file>
-
-<file path=ppt/slides/slide8.xml><?xml version="1.0" encoding="utf-8"?>
-<p:sld xmlns:a="http://schemas.openxmlformats.org/drawingml/2006/main" xmlns:r="http://schemas.openxmlformats.org/officeDocument/2006/relationships" xmlns:p="http://schemas.openxmlformats.org/presentationml/2006/main">
-  <p:cSld>
-    <p:spTree>
-      <p:nvGrpSpPr>
-        <p:cNvPr id="1" name="">
-          <a:extLst>
-            <a:ext uri="{FF2B5EF4-FFF2-40B4-BE49-F238E27FC236}">
-              <a16:creationId xmlns:a16="http://schemas.microsoft.com/office/drawing/2014/main" id="{C2D0C50F-04C7-B398-194C-EF8ED67C8783}"/>
-            </a:ext>
-          </a:extLst>
-        </p:cNvPr>
-        <p:cNvGrpSpPr/>
-        <p:nvPr/>
-      </p:nvGrpSpPr>
-      <p:grpSpPr>
-        <a:xfrm>
-          <a:off x="0" y="0"/>
-          <a:ext cx="0" cy="0"/>
-          <a:chOff x="0" y="0"/>
-          <a:chExt cx="0" cy="0"/>
-        </a:xfrm>
-      </p:grpSpPr>
-    </p:spTree>
-    <p:extLst>
-      <p:ext uri="{BB962C8B-B14F-4D97-AF65-F5344CB8AC3E}">
-        <p14:creationId xmlns:p14="http://schemas.microsoft.com/office/powerpoint/2010/main" val="684061742"/>
-      </p:ext>
-    </p:extLst>
-  </p:cSld>
-  <p:clrMapOvr>
-    <a:masterClrMapping/>
-  </p:clrMapOvr>
-</p:sld>
-</file>
-
-<file path=ppt/slides/slide9.xml><?xml version="1.0" encoding="utf-8"?>
-<p:sld xmlns:a="http://schemas.openxmlformats.org/drawingml/2006/main" xmlns:r="http://schemas.openxmlformats.org/officeDocument/2006/relationships" xmlns:p="http://schemas.openxmlformats.org/presentationml/2006/main">
-  <p:cSld>
-    <p:spTree>
-      <p:nvGrpSpPr>
-        <p:cNvPr id="1" name="">
-          <a:extLst>
-            <a:ext uri="{FF2B5EF4-FFF2-40B4-BE49-F238E27FC236}">
-              <a16:creationId xmlns:a16="http://schemas.microsoft.com/office/drawing/2014/main" id="{46518BD9-4DDB-B3AA-86FC-9B9B1F82ADEB}"/>
-            </a:ext>
-          </a:extLst>
-        </p:cNvPr>
-        <p:cNvGrpSpPr/>
-        <p:nvPr/>
-      </p:nvGrpSpPr>
-      <p:grpSpPr>
-        <a:xfrm>
-          <a:off x="0" y="0"/>
-          <a:ext cx="0" cy="0"/>
-          <a:chOff x="0" y="0"/>
-          <a:chExt cx="0" cy="0"/>
-        </a:xfrm>
-      </p:grpSpPr>
-    </p:spTree>
-    <p:extLst>
-      <p:ext uri="{BB962C8B-B14F-4D97-AF65-F5344CB8AC3E}">
-        <p14:creationId xmlns:p14="http://schemas.microsoft.com/office/powerpoint/2010/main" val="1058920747"/>
       </p:ext>
     </p:extLst>
   </p:cSld>
